--- a/docs/project.pptx
+++ b/docs/project.pptx
@@ -5,11 +5,17 @@
     <p:sldMasterId id="2147483744" r:id="rId1"/>
   </p:sldMasterIdLst>
   <p:sldIdLst>
-    <p:sldId id="257" r:id="rId2"/>
-    <p:sldId id="256" r:id="rId3"/>
-    <p:sldId id="258" r:id="rId4"/>
-    <p:sldId id="259" r:id="rId5"/>
-    <p:sldId id="260" r:id="rId6"/>
+    <p:sldId id="261" r:id="rId2"/>
+    <p:sldId id="257" r:id="rId3"/>
+    <p:sldId id="262" r:id="rId4"/>
+    <p:sldId id="263" r:id="rId5"/>
+    <p:sldId id="264" r:id="rId6"/>
+    <p:sldId id="265" r:id="rId7"/>
+    <p:sldId id="266" r:id="rId8"/>
+    <p:sldId id="256" r:id="rId9"/>
+    <p:sldId id="258" r:id="rId10"/>
+    <p:sldId id="259" r:id="rId11"/>
+    <p:sldId id="260" r:id="rId12"/>
   </p:sldIdLst>
   <p:sldSz cx="12192000" cy="6858000"/>
   <p:notesSz cx="6858000" cy="9144000"/>
@@ -285,7 +291,7 @@
           <a:p>
             <a:fld id="{26A93F37-A197-4880-B9E7-19D694D209AC}" type="datetimeFigureOut">
               <a:rPr lang="ru-RU" smtClean="0"/>
-              <a:t>11.03.2021</a:t>
+              <a:t>09.04.2021</a:t>
             </a:fld>
             <a:endParaRPr lang="ru-RU"/>
           </a:p>
@@ -615,7 +621,7 @@
           <a:p>
             <a:fld id="{26A93F37-A197-4880-B9E7-19D694D209AC}" type="datetimeFigureOut">
               <a:rPr lang="ru-RU" smtClean="0"/>
-              <a:t>11.03.2021</a:t>
+              <a:t>09.04.2021</a:t>
             </a:fld>
             <a:endParaRPr lang="ru-RU"/>
           </a:p>
@@ -795,7 +801,7 @@
           <a:p>
             <a:fld id="{26A93F37-A197-4880-B9E7-19D694D209AC}" type="datetimeFigureOut">
               <a:rPr lang="ru-RU" smtClean="0"/>
-              <a:t>11.03.2021</a:t>
+              <a:t>09.04.2021</a:t>
             </a:fld>
             <a:endParaRPr lang="ru-RU"/>
           </a:p>
@@ -965,7 +971,7 @@
           <a:p>
             <a:fld id="{26A93F37-A197-4880-B9E7-19D694D209AC}" type="datetimeFigureOut">
               <a:rPr lang="ru-RU" smtClean="0"/>
-              <a:t>11.03.2021</a:t>
+              <a:t>09.04.2021</a:t>
             </a:fld>
             <a:endParaRPr lang="ru-RU"/>
           </a:p>
@@ -1242,7 +1248,7 @@
           <a:p>
             <a:fld id="{26A93F37-A197-4880-B9E7-19D694D209AC}" type="datetimeFigureOut">
               <a:rPr lang="ru-RU" smtClean="0"/>
-              <a:t>11.03.2021</a:t>
+              <a:t>09.04.2021</a:t>
             </a:fld>
             <a:endParaRPr lang="ru-RU"/>
           </a:p>
@@ -1636,7 +1642,7 @@
           <a:p>
             <a:fld id="{26A93F37-A197-4880-B9E7-19D694D209AC}" type="datetimeFigureOut">
               <a:rPr lang="ru-RU" smtClean="0"/>
-              <a:t>11.03.2021</a:t>
+              <a:t>09.04.2021</a:t>
             </a:fld>
             <a:endParaRPr lang="ru-RU"/>
           </a:p>
@@ -2113,7 +2119,7 @@
           <a:p>
             <a:fld id="{26A93F37-A197-4880-B9E7-19D694D209AC}" type="datetimeFigureOut">
               <a:rPr lang="ru-RU" smtClean="0"/>
-              <a:t>11.03.2021</a:t>
+              <a:t>09.04.2021</a:t>
             </a:fld>
             <a:endParaRPr lang="ru-RU"/>
           </a:p>
@@ -2231,7 +2237,7 @@
           <a:p>
             <a:fld id="{26A93F37-A197-4880-B9E7-19D694D209AC}" type="datetimeFigureOut">
               <a:rPr lang="ru-RU" smtClean="0"/>
-              <a:t>11.03.2021</a:t>
+              <a:t>09.04.2021</a:t>
             </a:fld>
             <a:endParaRPr lang="ru-RU"/>
           </a:p>
@@ -2326,7 +2332,7 @@
           <a:p>
             <a:fld id="{26A93F37-A197-4880-B9E7-19D694D209AC}" type="datetimeFigureOut">
               <a:rPr lang="ru-RU" smtClean="0"/>
-              <a:t>11.03.2021</a:t>
+              <a:t>09.04.2021</a:t>
             </a:fld>
             <a:endParaRPr lang="ru-RU"/>
           </a:p>
@@ -2672,7 +2678,7 @@
           <a:p>
             <a:fld id="{26A93F37-A197-4880-B9E7-19D694D209AC}" type="datetimeFigureOut">
               <a:rPr lang="ru-RU" smtClean="0"/>
-              <a:t>11.03.2021</a:t>
+              <a:t>09.04.2021</a:t>
             </a:fld>
             <a:endParaRPr lang="ru-RU"/>
           </a:p>
@@ -3060,7 +3066,7 @@
           <a:p>
             <a:fld id="{26A93F37-A197-4880-B9E7-19D694D209AC}" type="datetimeFigureOut">
               <a:rPr lang="ru-RU" smtClean="0"/>
-              <a:t>11.03.2021</a:t>
+              <a:t>09.04.2021</a:t>
             </a:fld>
             <a:endParaRPr lang="ru-RU"/>
           </a:p>
@@ -3338,7 +3344,7 @@
           <a:p>
             <a:fld id="{26A93F37-A197-4880-B9E7-19D694D209AC}" type="datetimeFigureOut">
               <a:rPr lang="ru-RU" smtClean="0"/>
-              <a:t>11.03.2021</a:t>
+              <a:t>09.04.2021</a:t>
             </a:fld>
             <a:endParaRPr lang="ru-RU"/>
           </a:p>
@@ -3855,7 +3861,7 @@
           <p:cNvPr id="2" name="Заголовок 1">
             <a:extLst>
               <a:ext uri="{FF2B5EF4-FFF2-40B4-BE49-F238E27FC236}">
-                <a16:creationId xmlns:a16="http://schemas.microsoft.com/office/drawing/2014/main" id="{A501F7A0-9C25-499A-8722-84F070817C8F}"/>
+                <a16:creationId xmlns:a16="http://schemas.microsoft.com/office/drawing/2014/main" id="{7940C273-C892-46D5-AF94-F3028100DAE9}"/>
               </a:ext>
             </a:extLst>
           </p:cNvPr>
@@ -3863,6 +3869,184 @@
             <a:spLocks noGrp="1"/>
           </p:cNvSpPr>
           <p:nvPr>
+            <p:ph type="ctrTitle"/>
+          </p:nvPr>
+        </p:nvSpPr>
+        <p:spPr/>
+        <p:txBody>
+          <a:bodyPr/>
+          <a:lstStyle/>
+          <a:p>
+            <a:r>
+              <a:rPr lang="ru-RU" dirty="0"/>
+              <a:t>Игра </a:t>
+            </a:r>
+            <a:r>
+              <a:rPr lang="en-US" dirty="0"/>
+              <a:t>“</a:t>
+            </a:r>
+            <a:r>
+              <a:rPr lang="en-US" dirty="0" err="1"/>
+              <a:t>DoomPy</a:t>
+            </a:r>
+            <a:r>
+              <a:rPr lang="en-US" dirty="0"/>
+              <a:t>”</a:t>
+            </a:r>
+            <a:endParaRPr lang="ru-RU" dirty="0"/>
+          </a:p>
+        </p:txBody>
+      </p:sp>
+      <p:sp>
+        <p:nvSpPr>
+          <p:cNvPr id="4" name="Подзаголовок 3">
+            <a:extLst>
+              <a:ext uri="{FF2B5EF4-FFF2-40B4-BE49-F238E27FC236}">
+                <a16:creationId xmlns:a16="http://schemas.microsoft.com/office/drawing/2014/main" id="{BBB3DFF4-52DF-47E2-A7AA-4CFC8EA9A121}"/>
+              </a:ext>
+            </a:extLst>
+          </p:cNvPr>
+          <p:cNvSpPr>
+            <a:spLocks noGrp="1"/>
+          </p:cNvSpPr>
+          <p:nvPr>
+            <p:ph type="subTitle" idx="1"/>
+          </p:nvPr>
+        </p:nvSpPr>
+        <p:spPr/>
+        <p:txBody>
+          <a:bodyPr/>
+          <a:lstStyle/>
+          <a:p>
+            <a:r>
+              <a:rPr lang="ru-RU" dirty="0"/>
+              <a:t>Выполнил</a:t>
+            </a:r>
+            <a:r>
+              <a:rPr lang="en-US" dirty="0"/>
+              <a:t>: </a:t>
+            </a:r>
+            <a:r>
+              <a:rPr lang="ru-RU" dirty="0"/>
+              <a:t>Скворцов Владислав Валерьевич</a:t>
+            </a:r>
+            <a:br>
+              <a:rPr lang="ru-RU" dirty="0"/>
+            </a:br>
+            <a:r>
+              <a:rPr lang="ru-RU" dirty="0"/>
+              <a:t>Наставник</a:t>
+            </a:r>
+            <a:r>
+              <a:rPr lang="en-US" dirty="0"/>
+              <a:t>: </a:t>
+            </a:r>
+            <a:r>
+              <a:rPr lang="ru-RU" dirty="0"/>
+              <a:t>Садовников Сергей Александрович</a:t>
+            </a:r>
+          </a:p>
+        </p:txBody>
+      </p:sp>
+      <p:sp>
+        <p:nvSpPr>
+          <p:cNvPr id="5" name="TextBox 4">
+            <a:extLst>
+              <a:ext uri="{FF2B5EF4-FFF2-40B4-BE49-F238E27FC236}">
+                <a16:creationId xmlns:a16="http://schemas.microsoft.com/office/drawing/2014/main" id="{71126539-8B22-4711-B3B9-7C77024AD6B4}"/>
+              </a:ext>
+            </a:extLst>
+          </p:cNvPr>
+          <p:cNvSpPr txBox="1"/>
+          <p:nvPr/>
+        </p:nvSpPr>
+        <p:spPr>
+          <a:xfrm>
+            <a:off x="2797852" y="1491743"/>
+            <a:ext cx="6595780" cy="646331"/>
+          </a:xfrm>
+          <a:prstGeom prst="rect">
+            <a:avLst/>
+          </a:prstGeom>
+          <a:noFill/>
+        </p:spPr>
+        <p:txBody>
+          <a:bodyPr wrap="none" rtlCol="0">
+            <a:spAutoFit/>
+          </a:bodyPr>
+          <a:lstStyle/>
+          <a:p>
+            <a:pPr algn="ctr"/>
+            <a:r>
+              <a:rPr lang="ru-RU" dirty="0"/>
+              <a:t>Канашский педагогический колледж Минобразования Чувашии</a:t>
+            </a:r>
+          </a:p>
+          <a:p>
+            <a:pPr algn="ctr"/>
+            <a:r>
+              <a:rPr lang="ru-RU" dirty="0"/>
+              <a:t>Центр цифрового образования детей </a:t>
+            </a:r>
+            <a:r>
+              <a:rPr lang="en-US" dirty="0"/>
+              <a:t>“IT-</a:t>
+            </a:r>
+            <a:r>
+              <a:rPr lang="ru-RU" dirty="0"/>
+              <a:t>куб</a:t>
+            </a:r>
+            <a:r>
+              <a:rPr lang="en-US" dirty="0"/>
+              <a:t>”</a:t>
+            </a:r>
+            <a:endParaRPr lang="ru-RU" dirty="0"/>
+          </a:p>
+        </p:txBody>
+      </p:sp>
+    </p:spTree>
+    <p:extLst>
+      <p:ext uri="{BB962C8B-B14F-4D97-AF65-F5344CB8AC3E}">
+        <p14:creationId xmlns:p14="http://schemas.microsoft.com/office/powerpoint/2010/main" val="471155954"/>
+      </p:ext>
+    </p:extLst>
+  </p:cSld>
+  <p:clrMapOvr>
+    <a:masterClrMapping/>
+  </p:clrMapOvr>
+</p:sld>
+</file>
+
+<file path=ppt/slides/slide10.xml><?xml version="1.0" encoding="utf-8"?>
+<p:sld xmlns:a="http://schemas.openxmlformats.org/drawingml/2006/main" xmlns:r="http://schemas.openxmlformats.org/officeDocument/2006/relationships" xmlns:p="http://schemas.openxmlformats.org/presentationml/2006/main">
+  <p:cSld>
+    <p:spTree>
+      <p:nvGrpSpPr>
+        <p:cNvPr id="1" name=""/>
+        <p:cNvGrpSpPr/>
+        <p:nvPr/>
+      </p:nvGrpSpPr>
+      <p:grpSpPr>
+        <a:xfrm>
+          <a:off x="0" y="0"/>
+          <a:ext cx="0" cy="0"/>
+          <a:chOff x="0" y="0"/>
+          <a:chExt cx="0" cy="0"/>
+        </a:xfrm>
+      </p:grpSpPr>
+      <p:sp>
+        <p:nvSpPr>
+          <p:cNvPr id="2" name="Заголовок 1">
+            <a:extLst>
+              <a:ext uri="{FF2B5EF4-FFF2-40B4-BE49-F238E27FC236}">
+                <a16:creationId xmlns:a16="http://schemas.microsoft.com/office/drawing/2014/main" id="{6E9B5F17-388C-4A07-B997-BAEEDD50F0B0}"/>
+              </a:ext>
+            </a:extLst>
+          </p:cNvPr>
+          <p:cNvSpPr>
+            <a:spLocks noGrp="1"/>
+          </p:cNvSpPr>
+          <p:nvPr>
             <p:ph type="title"/>
           </p:nvPr>
         </p:nvSpPr>
@@ -3873,19 +4057,11 @@
           <a:p>
             <a:r>
               <a:rPr lang="ru-RU" dirty="0"/>
-              <a:t>3</a:t>
+              <a:t>Способ отрисовки мира и объектов</a:t>
             </a:r>
             <a:r>
               <a:rPr lang="en-US" dirty="0"/>
-              <a:t>D</a:t>
-            </a:r>
-            <a:r>
-              <a:rPr lang="ru-RU" dirty="0"/>
-              <a:t> игра на основе </a:t>
-            </a:r>
-            <a:r>
-              <a:rPr lang="en-US" dirty="0"/>
-              <a:t>python</a:t>
+              <a:t>:</a:t>
             </a:r>
             <a:endParaRPr lang="ru-RU" dirty="0"/>
           </a:p>
@@ -3896,7 +4072,7 @@
           <p:cNvPr id="3" name="Объект 2">
             <a:extLst>
               <a:ext uri="{FF2B5EF4-FFF2-40B4-BE49-F238E27FC236}">
-                <a16:creationId xmlns:a16="http://schemas.microsoft.com/office/drawing/2014/main" id="{27F72DCE-25F0-4E5C-89E4-EED697BFE5E3}"/>
+                <a16:creationId xmlns:a16="http://schemas.microsoft.com/office/drawing/2014/main" id="{D9BEC800-8CC4-4ADC-B650-C07EE9FB7715}"/>
               </a:ext>
             </a:extLst>
           </p:cNvPr>
@@ -3914,45 +4090,285 @@
           <a:p>
             <a:r>
               <a:rPr lang="ru-RU" dirty="0"/>
-              <a:t>Главная цель проекта заключена в использовании всего потенциала библиотеки </a:t>
-            </a:r>
-            <a:r>
-              <a:rPr lang="en-US" dirty="0" err="1"/>
-              <a:t>pygame</a:t>
+              <a:t>Если </a:t>
+            </a:r>
+            <a:r>
+              <a:rPr lang="en-US" dirty="0"/>
+              <a:t>ray casting </a:t>
             </a:r>
             <a:r>
               <a:rPr lang="ru-RU" dirty="0"/>
-              <a:t>, рассчитанного для работы с 2д графикой</a:t>
-            </a:r>
-          </a:p>
+              <a:t>вещь довольно известная, то спрайты находятся по менее понятному методу</a:t>
+            </a:r>
+          </a:p>
+          <a:p>
+            <a:endParaRPr lang="ru-RU" dirty="0"/>
+          </a:p>
+        </p:txBody>
+      </p:sp>
+      <p:sp>
+        <p:nvSpPr>
+          <p:cNvPr id="6" name="TextBox 5">
+            <a:extLst>
+              <a:ext uri="{FF2B5EF4-FFF2-40B4-BE49-F238E27FC236}">
+                <a16:creationId xmlns:a16="http://schemas.microsoft.com/office/drawing/2014/main" id="{EB04AD7B-F7F8-482F-84BE-6365449D197F}"/>
+              </a:ext>
+            </a:extLst>
+          </p:cNvPr>
+          <p:cNvSpPr txBox="1"/>
+          <p:nvPr/>
+        </p:nvSpPr>
+        <p:spPr>
+          <a:xfrm>
+            <a:off x="6931386" y="2928937"/>
+            <a:ext cx="5376793" cy="2308324"/>
+          </a:xfrm>
+          <a:prstGeom prst="rect">
+            <a:avLst/>
+          </a:prstGeom>
+          <a:noFill/>
+        </p:spPr>
+        <p:txBody>
+          <a:bodyPr wrap="none" rtlCol="0">
+            <a:spAutoFit/>
+          </a:bodyPr>
+          <a:lstStyle/>
           <a:p>
             <a:r>
               <a:rPr lang="ru-RU" dirty="0"/>
-              <a:t>Сторонние библиотеки для работы с графикой не используются</a:t>
-            </a:r>
-            <a:r>
-              <a:rPr lang="en-US" dirty="0"/>
-              <a:t>,</a:t>
-            </a:r>
+              <a:t>Здесь мы ищем угол луча, искомый от</a:t>
+            </a:r>
+          </a:p>
+          <a:p>
             <a:r>
               <a:rPr lang="ru-RU" dirty="0"/>
-              <a:t> дабы показать усвоенные автором знания</a:t>
-            </a:r>
-            <a:r>
-              <a:rPr lang="en-US" dirty="0"/>
-              <a:t> </a:t>
-            </a:r>
+              <a:t>основного, на котором мы и должны </a:t>
+            </a:r>
+          </a:p>
+          <a:p>
             <a:r>
               <a:rPr lang="ru-RU" dirty="0"/>
-              <a:t>из курсов Яндекс лицея и умение использовать их на практике</a:t>
-            </a:r>
-          </a:p>
-        </p:txBody>
-      </p:sp>
+              <a:t>отобразить спрайт. После мы проверяем виден ли</a:t>
+            </a:r>
+          </a:p>
+          <a:p>
+            <a:r>
+              <a:rPr lang="ru-RU" dirty="0"/>
+              <a:t>он и находится ли ближе других объектов.</a:t>
+            </a:r>
+          </a:p>
+          <a:p>
+            <a:r>
+              <a:rPr lang="ru-RU" dirty="0"/>
+              <a:t>Таким образом программа расставляет приоритет</a:t>
+            </a:r>
+          </a:p>
+          <a:p>
+            <a:r>
+              <a:rPr lang="ru-RU" dirty="0"/>
+              <a:t>отрисовки объектов, почему спрайты не закрывают</a:t>
+            </a:r>
+            <a:br>
+              <a:rPr lang="ru-RU" dirty="0"/>
+            </a:br>
+            <a:r>
+              <a:rPr lang="ru-RU" dirty="0"/>
+              <a:t>все объекты, находясь на заднем плане.</a:t>
+            </a:r>
+          </a:p>
+          <a:p>
+            <a:endParaRPr lang="ru-RU" dirty="0"/>
+          </a:p>
+        </p:txBody>
+      </p:sp>
+      <p:pic>
+        <p:nvPicPr>
+          <p:cNvPr id="9" name="Рисунок 8">
+            <a:extLst>
+              <a:ext uri="{FF2B5EF4-FFF2-40B4-BE49-F238E27FC236}">
+                <a16:creationId xmlns:a16="http://schemas.microsoft.com/office/drawing/2014/main" id="{2F164945-F492-49DA-B783-4BB556FC6444}"/>
+              </a:ext>
+            </a:extLst>
+          </p:cNvPr>
+          <p:cNvPicPr>
+            <a:picLocks noChangeAspect="1"/>
+          </p:cNvPicPr>
+          <p:nvPr/>
+        </p:nvPicPr>
+        <p:blipFill>
+          <a:blip r:embed="rId2"/>
+          <a:stretch>
+            <a:fillRect/>
+          </a:stretch>
+        </p:blipFill>
+        <p:spPr>
+          <a:xfrm>
+            <a:off x="1368786" y="3043237"/>
+            <a:ext cx="5562600" cy="3128963"/>
+          </a:xfrm>
+          <a:prstGeom prst="rect">
+            <a:avLst/>
+          </a:prstGeom>
+        </p:spPr>
+      </p:pic>
     </p:spTree>
     <p:extLst>
       <p:ext uri="{BB962C8B-B14F-4D97-AF65-F5344CB8AC3E}">
-        <p14:creationId xmlns:p14="http://schemas.microsoft.com/office/powerpoint/2010/main" val="1402256345"/>
+        <p14:creationId xmlns:p14="http://schemas.microsoft.com/office/powerpoint/2010/main" val="2326519915"/>
+      </p:ext>
+    </p:extLst>
+  </p:cSld>
+  <p:clrMapOvr>
+    <a:masterClrMapping/>
+  </p:clrMapOvr>
+</p:sld>
+</file>
+
+<file path=ppt/slides/slide11.xml><?xml version="1.0" encoding="utf-8"?>
+<p:sld xmlns:a="http://schemas.openxmlformats.org/drawingml/2006/main" xmlns:r="http://schemas.openxmlformats.org/officeDocument/2006/relationships" xmlns:p="http://schemas.openxmlformats.org/presentationml/2006/main">
+  <p:cSld>
+    <p:spTree>
+      <p:nvGrpSpPr>
+        <p:cNvPr id="1" name=""/>
+        <p:cNvGrpSpPr/>
+        <p:nvPr/>
+      </p:nvGrpSpPr>
+      <p:grpSpPr>
+        <a:xfrm>
+          <a:off x="0" y="0"/>
+          <a:ext cx="0" cy="0"/>
+          <a:chOff x="0" y="0"/>
+          <a:chExt cx="0" cy="0"/>
+        </a:xfrm>
+      </p:grpSpPr>
+      <p:sp>
+        <p:nvSpPr>
+          <p:cNvPr id="2" name="Заголовок 1">
+            <a:extLst>
+              <a:ext uri="{FF2B5EF4-FFF2-40B4-BE49-F238E27FC236}">
+                <a16:creationId xmlns:a16="http://schemas.microsoft.com/office/drawing/2014/main" id="{74F26843-0D31-4F35-8E31-520CDA205D2A}"/>
+              </a:ext>
+            </a:extLst>
+          </p:cNvPr>
+          <p:cNvSpPr>
+            <a:spLocks noGrp="1"/>
+          </p:cNvSpPr>
+          <p:nvPr>
+            <p:ph type="title"/>
+          </p:nvPr>
+        </p:nvSpPr>
+        <p:spPr/>
+        <p:txBody>
+          <a:bodyPr/>
+          <a:lstStyle/>
+          <a:p>
+            <a:r>
+              <a:rPr lang="ru-RU" dirty="0"/>
+              <a:t>Все волнующие вас вопросы к автору проекта.</a:t>
+            </a:r>
+          </a:p>
+        </p:txBody>
+      </p:sp>
+      <p:sp>
+        <p:nvSpPr>
+          <p:cNvPr id="3" name="Объект 2">
+            <a:extLst>
+              <a:ext uri="{FF2B5EF4-FFF2-40B4-BE49-F238E27FC236}">
+                <a16:creationId xmlns:a16="http://schemas.microsoft.com/office/drawing/2014/main" id="{95E48AA7-4D36-4D41-9D99-7508192F01F4}"/>
+              </a:ext>
+            </a:extLst>
+          </p:cNvPr>
+          <p:cNvSpPr>
+            <a:spLocks noGrp="1"/>
+          </p:cNvSpPr>
+          <p:nvPr>
+            <p:ph idx="1"/>
+          </p:nvPr>
+        </p:nvSpPr>
+        <p:spPr>
+          <a:xfrm>
+            <a:off x="1371600" y="2286000"/>
+            <a:ext cx="9601200" cy="3581400"/>
+          </a:xfrm>
+        </p:spPr>
+        <p:txBody>
+          <a:bodyPr>
+            <a:normAutofit fontScale="92500" lnSpcReduction="20000"/>
+          </a:bodyPr>
+          <a:lstStyle/>
+          <a:p>
+            <a:pPr marL="0" indent="0">
+              <a:buNone/>
+            </a:pPr>
+            <a:r>
+              <a:rPr lang="ru-RU" dirty="0"/>
+              <a:t>Рекомендуется посмотреть на сам код и опробовать игру.</a:t>
+            </a:r>
+          </a:p>
+          <a:p>
+            <a:pPr marL="0" indent="0">
+              <a:buNone/>
+            </a:pPr>
+            <a:endParaRPr lang="ru-RU" dirty="0"/>
+          </a:p>
+          <a:p>
+            <a:pPr marL="0" indent="0">
+              <a:buNone/>
+            </a:pPr>
+            <a:endParaRPr lang="ru-RU" dirty="0"/>
+          </a:p>
+          <a:p>
+            <a:pPr marL="0" indent="0">
+              <a:buNone/>
+            </a:pPr>
+            <a:endParaRPr lang="ru-RU" dirty="0"/>
+          </a:p>
+          <a:p>
+            <a:pPr marL="0" indent="0">
+              <a:buNone/>
+            </a:pPr>
+            <a:endParaRPr lang="ru-RU" dirty="0"/>
+          </a:p>
+          <a:p>
+            <a:pPr marL="0" indent="0">
+              <a:buNone/>
+            </a:pPr>
+            <a:endParaRPr lang="ru-RU" dirty="0"/>
+          </a:p>
+          <a:p>
+            <a:pPr marL="0" indent="0">
+              <a:buNone/>
+            </a:pPr>
+            <a:r>
+              <a:rPr lang="ru-RU" dirty="0"/>
+              <a:t>Примечание</a:t>
+            </a:r>
+            <a:r>
+              <a:rPr lang="en-US" dirty="0"/>
+              <a:t>:</a:t>
+            </a:r>
+          </a:p>
+          <a:p>
+            <a:pPr marL="0" indent="0">
+              <a:buNone/>
+            </a:pPr>
+            <a:r>
+              <a:rPr lang="ru-RU" dirty="0"/>
+              <a:t>Проект не является законченным, поскольку автор испытывал сильный недостаток времени в связи со сложившимися обстоятельствами. На основе этого проекта ожидается полноценная игра по иной тематике</a:t>
+            </a:r>
+          </a:p>
+          <a:p>
+            <a:pPr marL="0" indent="0">
+              <a:buNone/>
+            </a:pPr>
+            <a:endParaRPr lang="ru-RU" dirty="0"/>
+          </a:p>
+        </p:txBody>
+      </p:sp>
+    </p:spTree>
+    <p:extLst>
+      <p:ext uri="{BB962C8B-B14F-4D97-AF65-F5344CB8AC3E}">
+        <p14:creationId xmlns:p14="http://schemas.microsoft.com/office/powerpoint/2010/main" val="4137745136"/>
       </p:ext>
     </p:extLst>
   </p:cSld>
@@ -3984,6 +4400,977 @@
           <p:cNvPr id="2" name="Заголовок 1">
             <a:extLst>
               <a:ext uri="{FF2B5EF4-FFF2-40B4-BE49-F238E27FC236}">
+                <a16:creationId xmlns:a16="http://schemas.microsoft.com/office/drawing/2014/main" id="{A501F7A0-9C25-499A-8722-84F070817C8F}"/>
+              </a:ext>
+            </a:extLst>
+          </p:cNvPr>
+          <p:cNvSpPr>
+            <a:spLocks noGrp="1"/>
+          </p:cNvSpPr>
+          <p:nvPr>
+            <p:ph type="title"/>
+          </p:nvPr>
+        </p:nvSpPr>
+        <p:spPr/>
+        <p:txBody>
+          <a:bodyPr/>
+          <a:lstStyle/>
+          <a:p>
+            <a:r>
+              <a:rPr lang="ru-RU" dirty="0"/>
+              <a:t>Цель проекта</a:t>
+            </a:r>
+            <a:r>
+              <a:rPr lang="en-US" dirty="0"/>
+              <a:t>:</a:t>
+            </a:r>
+            <a:endParaRPr lang="ru-RU" dirty="0"/>
+          </a:p>
+        </p:txBody>
+      </p:sp>
+      <p:sp>
+        <p:nvSpPr>
+          <p:cNvPr id="3" name="Объект 2">
+            <a:extLst>
+              <a:ext uri="{FF2B5EF4-FFF2-40B4-BE49-F238E27FC236}">
+                <a16:creationId xmlns:a16="http://schemas.microsoft.com/office/drawing/2014/main" id="{27F72DCE-25F0-4E5C-89E4-EED697BFE5E3}"/>
+              </a:ext>
+            </a:extLst>
+          </p:cNvPr>
+          <p:cNvSpPr>
+            <a:spLocks noGrp="1"/>
+          </p:cNvSpPr>
+          <p:nvPr>
+            <p:ph sz="half" idx="1"/>
+          </p:nvPr>
+        </p:nvSpPr>
+        <p:spPr>
+          <a:xfrm>
+            <a:off x="1371600" y="1764791"/>
+            <a:ext cx="4447786" cy="3581401"/>
+          </a:xfrm>
+        </p:spPr>
+        <p:txBody>
+          <a:bodyPr/>
+          <a:lstStyle/>
+          <a:p>
+            <a:r>
+              <a:rPr lang="ru-RU" dirty="0"/>
+              <a:t>Главная цель проекта заключена в использовании всего потенциала библиотеки </a:t>
+            </a:r>
+            <a:r>
+              <a:rPr lang="en-US" dirty="0" err="1"/>
+              <a:t>pygame</a:t>
+            </a:r>
+            <a:r>
+              <a:rPr lang="en-US" dirty="0"/>
+              <a:t>.</a:t>
+            </a:r>
+            <a:endParaRPr lang="ru-RU" dirty="0"/>
+          </a:p>
+        </p:txBody>
+      </p:sp>
+      <p:sp>
+        <p:nvSpPr>
+          <p:cNvPr id="4" name="Объект 3">
+            <a:extLst>
+              <a:ext uri="{FF2B5EF4-FFF2-40B4-BE49-F238E27FC236}">
+                <a16:creationId xmlns:a16="http://schemas.microsoft.com/office/drawing/2014/main" id="{1CC8BC27-1158-4FA3-B929-F38F752F8ACC}"/>
+              </a:ext>
+            </a:extLst>
+          </p:cNvPr>
+          <p:cNvSpPr>
+            <a:spLocks noGrp="1"/>
+          </p:cNvSpPr>
+          <p:nvPr>
+            <p:ph sz="half" idx="2"/>
+          </p:nvPr>
+        </p:nvSpPr>
+        <p:spPr>
+          <a:xfrm>
+            <a:off x="6172200" y="1764791"/>
+            <a:ext cx="4447786" cy="3581401"/>
+          </a:xfrm>
+        </p:spPr>
+        <p:txBody>
+          <a:bodyPr/>
+          <a:lstStyle/>
+          <a:p>
+            <a:r>
+              <a:rPr lang="ru-RU" dirty="0"/>
+              <a:t>Игра создана для пользователей скучающих по старым шутерам от первого лица</a:t>
+            </a:r>
+          </a:p>
+        </p:txBody>
+      </p:sp>
+      <p:sp>
+        <p:nvSpPr>
+          <p:cNvPr id="5" name="TextBox 4">
+            <a:extLst>
+              <a:ext uri="{FF2B5EF4-FFF2-40B4-BE49-F238E27FC236}">
+                <a16:creationId xmlns:a16="http://schemas.microsoft.com/office/drawing/2014/main" id="{4BD8421F-CEA8-4A80-89F5-390649EFD08E}"/>
+              </a:ext>
+            </a:extLst>
+          </p:cNvPr>
+          <p:cNvSpPr txBox="1"/>
+          <p:nvPr/>
+        </p:nvSpPr>
+        <p:spPr>
+          <a:xfrm>
+            <a:off x="6096000" y="659309"/>
+            <a:ext cx="5282215" cy="769441"/>
+          </a:xfrm>
+          <a:prstGeom prst="rect">
+            <a:avLst/>
+          </a:prstGeom>
+          <a:noFill/>
+        </p:spPr>
+        <p:txBody>
+          <a:bodyPr wrap="none" rtlCol="0">
+            <a:spAutoFit/>
+          </a:bodyPr>
+          <a:lstStyle/>
+          <a:p>
+            <a:r>
+              <a:rPr lang="ru-RU" sz="4400" dirty="0"/>
+              <a:t>Область</a:t>
+            </a:r>
+            <a:r>
+              <a:rPr lang="ru-RU" dirty="0"/>
+              <a:t> </a:t>
+            </a:r>
+            <a:r>
+              <a:rPr lang="ru-RU" sz="4400" dirty="0"/>
+              <a:t>применения</a:t>
+            </a:r>
+            <a:r>
+              <a:rPr lang="en-US" dirty="0"/>
+              <a:t>:</a:t>
+            </a:r>
+            <a:endParaRPr lang="ru-RU" dirty="0"/>
+          </a:p>
+        </p:txBody>
+      </p:sp>
+    </p:spTree>
+    <p:extLst>
+      <p:ext uri="{BB962C8B-B14F-4D97-AF65-F5344CB8AC3E}">
+        <p14:creationId xmlns:p14="http://schemas.microsoft.com/office/powerpoint/2010/main" val="1402256345"/>
+      </p:ext>
+    </p:extLst>
+  </p:cSld>
+  <p:clrMapOvr>
+    <a:masterClrMapping/>
+  </p:clrMapOvr>
+</p:sld>
+</file>
+
+<file path=ppt/slides/slide3.xml><?xml version="1.0" encoding="utf-8"?>
+<p:sld xmlns:a="http://schemas.openxmlformats.org/drawingml/2006/main" xmlns:r="http://schemas.openxmlformats.org/officeDocument/2006/relationships" xmlns:p="http://schemas.openxmlformats.org/presentationml/2006/main">
+  <p:cSld>
+    <p:spTree>
+      <p:nvGrpSpPr>
+        <p:cNvPr id="1" name=""/>
+        <p:cNvGrpSpPr/>
+        <p:nvPr/>
+      </p:nvGrpSpPr>
+      <p:grpSpPr>
+        <a:xfrm>
+          <a:off x="0" y="0"/>
+          <a:ext cx="0" cy="0"/>
+          <a:chOff x="0" y="0"/>
+          <a:chExt cx="0" cy="0"/>
+        </a:xfrm>
+      </p:grpSpPr>
+      <p:sp>
+        <p:nvSpPr>
+          <p:cNvPr id="2" name="Заголовок 1">
+            <a:extLst>
+              <a:ext uri="{FF2B5EF4-FFF2-40B4-BE49-F238E27FC236}">
+                <a16:creationId xmlns:a16="http://schemas.microsoft.com/office/drawing/2014/main" id="{B201C318-E98D-4CE9-81C8-4A709104989D}"/>
+              </a:ext>
+            </a:extLst>
+          </p:cNvPr>
+          <p:cNvSpPr>
+            <a:spLocks noGrp="1"/>
+          </p:cNvSpPr>
+          <p:nvPr>
+            <p:ph type="title"/>
+          </p:nvPr>
+        </p:nvSpPr>
+        <p:spPr/>
+        <p:txBody>
+          <a:bodyPr/>
+          <a:lstStyle/>
+          <a:p>
+            <a:r>
+              <a:rPr lang="ru-RU" b="1" dirty="0"/>
+              <a:t>Средства разработки проекта</a:t>
+            </a:r>
+            <a:r>
+              <a:rPr lang="en-US" b="1" dirty="0"/>
+              <a:t>:</a:t>
+            </a:r>
+            <a:endParaRPr lang="ru-RU" dirty="0"/>
+          </a:p>
+        </p:txBody>
+      </p:sp>
+      <p:sp>
+        <p:nvSpPr>
+          <p:cNvPr id="3" name="Объект 2">
+            <a:extLst>
+              <a:ext uri="{FF2B5EF4-FFF2-40B4-BE49-F238E27FC236}">
+                <a16:creationId xmlns:a16="http://schemas.microsoft.com/office/drawing/2014/main" id="{7650C0F6-C47B-435D-B6CB-DFFE65D45F05}"/>
+              </a:ext>
+            </a:extLst>
+          </p:cNvPr>
+          <p:cNvSpPr>
+            <a:spLocks noGrp="1"/>
+          </p:cNvSpPr>
+          <p:nvPr>
+            <p:ph idx="1"/>
+          </p:nvPr>
+        </p:nvSpPr>
+        <p:spPr/>
+        <p:txBody>
+          <a:bodyPr/>
+          <a:lstStyle/>
+          <a:p>
+            <a:r>
+              <a:rPr lang="ru-RU" sz="2000" dirty="0"/>
+              <a:t>библиотека </a:t>
+            </a:r>
+            <a:r>
+              <a:rPr lang="en-US" sz="2000" dirty="0" err="1"/>
+              <a:t>Pygame</a:t>
+            </a:r>
+            <a:r>
+              <a:rPr lang="en-US" sz="2000" dirty="0"/>
+              <a:t> </a:t>
+            </a:r>
+            <a:r>
+              <a:rPr lang="ru-RU" sz="2000" dirty="0"/>
+              <a:t>для языка программирования </a:t>
+            </a:r>
+            <a:r>
+              <a:rPr lang="en-US" sz="2000" dirty="0"/>
+              <a:t>Python</a:t>
+            </a:r>
+            <a:endParaRPr lang="ru-RU" dirty="0"/>
+          </a:p>
+        </p:txBody>
+      </p:sp>
+    </p:spTree>
+    <p:extLst>
+      <p:ext uri="{BB962C8B-B14F-4D97-AF65-F5344CB8AC3E}">
+        <p14:creationId xmlns:p14="http://schemas.microsoft.com/office/powerpoint/2010/main" val="3704951410"/>
+      </p:ext>
+    </p:extLst>
+  </p:cSld>
+  <p:clrMapOvr>
+    <a:masterClrMapping/>
+  </p:clrMapOvr>
+</p:sld>
+</file>
+
+<file path=ppt/slides/slide4.xml><?xml version="1.0" encoding="utf-8"?>
+<p:sld xmlns:a="http://schemas.openxmlformats.org/drawingml/2006/main" xmlns:r="http://schemas.openxmlformats.org/officeDocument/2006/relationships" xmlns:p="http://schemas.openxmlformats.org/presentationml/2006/main">
+  <p:cSld>
+    <p:spTree>
+      <p:nvGrpSpPr>
+        <p:cNvPr id="1" name=""/>
+        <p:cNvGrpSpPr/>
+        <p:nvPr/>
+      </p:nvGrpSpPr>
+      <p:grpSpPr>
+        <a:xfrm>
+          <a:off x="0" y="0"/>
+          <a:ext cx="0" cy="0"/>
+          <a:chOff x="0" y="0"/>
+          <a:chExt cx="0" cy="0"/>
+        </a:xfrm>
+      </p:grpSpPr>
+      <p:sp>
+        <p:nvSpPr>
+          <p:cNvPr id="4" name="Заголовок 3">
+            <a:extLst>
+              <a:ext uri="{FF2B5EF4-FFF2-40B4-BE49-F238E27FC236}">
+                <a16:creationId xmlns:a16="http://schemas.microsoft.com/office/drawing/2014/main" id="{A770737A-170D-47B8-B417-6E01ED66E070}"/>
+              </a:ext>
+            </a:extLst>
+          </p:cNvPr>
+          <p:cNvSpPr>
+            <a:spLocks noGrp="1"/>
+          </p:cNvSpPr>
+          <p:nvPr>
+            <p:ph type="title"/>
+          </p:nvPr>
+        </p:nvSpPr>
+        <p:spPr/>
+        <p:txBody>
+          <a:bodyPr/>
+          <a:lstStyle/>
+          <a:p>
+            <a:r>
+              <a:rPr lang="ru-RU" b="1" dirty="0"/>
+              <a:t>Экранные формы проекта</a:t>
+            </a:r>
+            <a:r>
+              <a:rPr lang="en-US" b="1" dirty="0"/>
+              <a:t>:</a:t>
+            </a:r>
+            <a:br>
+              <a:rPr lang="ru-RU" b="1" dirty="0"/>
+            </a:br>
+            <a:endParaRPr lang="ru-RU" dirty="0"/>
+          </a:p>
+        </p:txBody>
+      </p:sp>
+      <p:sp>
+        <p:nvSpPr>
+          <p:cNvPr id="5" name="Текст 4">
+            <a:extLst>
+              <a:ext uri="{FF2B5EF4-FFF2-40B4-BE49-F238E27FC236}">
+                <a16:creationId xmlns:a16="http://schemas.microsoft.com/office/drawing/2014/main" id="{F460F143-D3CB-4B69-BF5E-93C7659CCDA5}"/>
+              </a:ext>
+            </a:extLst>
+          </p:cNvPr>
+          <p:cNvSpPr>
+            <a:spLocks noGrp="1"/>
+          </p:cNvSpPr>
+          <p:nvPr>
+            <p:ph type="body" idx="1"/>
+          </p:nvPr>
+        </p:nvSpPr>
+        <p:spPr>
+          <a:xfrm>
+            <a:off x="1219200" y="1347788"/>
+            <a:ext cx="4443984" cy="823912"/>
+          </a:xfrm>
+        </p:spPr>
+        <p:txBody>
+          <a:bodyPr/>
+          <a:lstStyle/>
+          <a:p>
+            <a:r>
+              <a:rPr lang="ru-RU" dirty="0"/>
+              <a:t>Главное меню</a:t>
+            </a:r>
+          </a:p>
+        </p:txBody>
+      </p:sp>
+      <p:sp>
+        <p:nvSpPr>
+          <p:cNvPr id="7" name="Текст 6">
+            <a:extLst>
+              <a:ext uri="{FF2B5EF4-FFF2-40B4-BE49-F238E27FC236}">
+                <a16:creationId xmlns:a16="http://schemas.microsoft.com/office/drawing/2014/main" id="{A4FD7094-4659-4498-833B-C70719576D7D}"/>
+              </a:ext>
+            </a:extLst>
+          </p:cNvPr>
+          <p:cNvSpPr>
+            <a:spLocks noGrp="1"/>
+          </p:cNvSpPr>
+          <p:nvPr>
+            <p:ph type="body" sz="quarter" idx="3"/>
+          </p:nvPr>
+        </p:nvSpPr>
+        <p:spPr>
+          <a:xfrm>
+            <a:off x="7748016" y="1347788"/>
+            <a:ext cx="4443984" cy="823912"/>
+          </a:xfrm>
+        </p:spPr>
+        <p:txBody>
+          <a:bodyPr/>
+          <a:lstStyle/>
+          <a:p>
+            <a:r>
+              <a:rPr lang="ru-RU" dirty="0"/>
+              <a:t>Игровой процесс</a:t>
+            </a:r>
+          </a:p>
+        </p:txBody>
+      </p:sp>
+      <p:pic>
+        <p:nvPicPr>
+          <p:cNvPr id="9" name="Объект 8">
+            <a:extLst>
+              <a:ext uri="{FF2B5EF4-FFF2-40B4-BE49-F238E27FC236}">
+                <a16:creationId xmlns:a16="http://schemas.microsoft.com/office/drawing/2014/main" id="{5AE05F6D-C375-4DE4-9637-915C5487B5B7}"/>
+              </a:ext>
+            </a:extLst>
+          </p:cNvPr>
+          <p:cNvPicPr>
+            <a:picLocks noGrp="1" noChangeAspect="1"/>
+          </p:cNvPicPr>
+          <p:nvPr>
+            <p:ph sz="half" idx="2"/>
+          </p:nvPr>
+        </p:nvPicPr>
+        <p:blipFill>
+          <a:blip r:embed="rId2">
+            <a:extLst>
+              <a:ext uri="{28A0092B-C50C-407E-A947-70E740481C1C}">
+                <a14:useLocalDpi xmlns:a14="http://schemas.microsoft.com/office/drawing/2010/main" val="0"/>
+              </a:ext>
+            </a:extLst>
+          </a:blip>
+          <a:stretch>
+            <a:fillRect/>
+          </a:stretch>
+        </p:blipFill>
+        <p:spPr>
+          <a:xfrm>
+            <a:off x="1219200" y="2642044"/>
+            <a:ext cx="4860347" cy="3225356"/>
+          </a:xfrm>
+          <a:prstGeom prst="rect">
+            <a:avLst/>
+          </a:prstGeom>
+        </p:spPr>
+      </p:pic>
+      <p:pic>
+        <p:nvPicPr>
+          <p:cNvPr id="10" name="Объект 14">
+            <a:extLst>
+              <a:ext uri="{FF2B5EF4-FFF2-40B4-BE49-F238E27FC236}">
+                <a16:creationId xmlns:a16="http://schemas.microsoft.com/office/drawing/2014/main" id="{575B009D-5407-40F7-B570-18DA56830A86}"/>
+              </a:ext>
+            </a:extLst>
+          </p:cNvPr>
+          <p:cNvPicPr>
+            <a:picLocks noGrp="1" noChangeAspect="1"/>
+          </p:cNvPicPr>
+          <p:nvPr>
+            <p:ph sz="quarter" idx="4"/>
+          </p:nvPr>
+        </p:nvPicPr>
+        <p:blipFill>
+          <a:blip r:embed="rId3">
+            <a:extLst>
+              <a:ext uri="{28A0092B-C50C-407E-A947-70E740481C1C}">
+                <a14:useLocalDpi xmlns:a14="http://schemas.microsoft.com/office/drawing/2010/main" val="0"/>
+              </a:ext>
+            </a:extLst>
+          </a:blip>
+          <a:stretch>
+            <a:fillRect/>
+          </a:stretch>
+        </p:blipFill>
+        <p:spPr>
+          <a:xfrm>
+            <a:off x="7101999" y="2642044"/>
+            <a:ext cx="4872605" cy="3225356"/>
+          </a:xfrm>
+        </p:spPr>
+      </p:pic>
+    </p:spTree>
+    <p:extLst>
+      <p:ext uri="{BB962C8B-B14F-4D97-AF65-F5344CB8AC3E}">
+        <p14:creationId xmlns:p14="http://schemas.microsoft.com/office/powerpoint/2010/main" val="430909008"/>
+      </p:ext>
+    </p:extLst>
+  </p:cSld>
+  <p:clrMapOvr>
+    <a:masterClrMapping/>
+  </p:clrMapOvr>
+</p:sld>
+</file>
+
+<file path=ppt/slides/slide5.xml><?xml version="1.0" encoding="utf-8"?>
+<p:sld xmlns:a="http://schemas.openxmlformats.org/drawingml/2006/main" xmlns:r="http://schemas.openxmlformats.org/officeDocument/2006/relationships" xmlns:p="http://schemas.openxmlformats.org/presentationml/2006/main">
+  <p:cSld>
+    <p:spTree>
+      <p:nvGrpSpPr>
+        <p:cNvPr id="1" name=""/>
+        <p:cNvGrpSpPr/>
+        <p:nvPr/>
+      </p:nvGrpSpPr>
+      <p:grpSpPr>
+        <a:xfrm>
+          <a:off x="0" y="0"/>
+          <a:ext cx="0" cy="0"/>
+          <a:chOff x="0" y="0"/>
+          <a:chExt cx="0" cy="0"/>
+        </a:xfrm>
+      </p:grpSpPr>
+      <p:sp>
+        <p:nvSpPr>
+          <p:cNvPr id="2" name="Заголовок 1">
+            <a:extLst>
+              <a:ext uri="{FF2B5EF4-FFF2-40B4-BE49-F238E27FC236}">
+                <a16:creationId xmlns:a16="http://schemas.microsoft.com/office/drawing/2014/main" id="{52EF1546-F627-4792-BFA6-A5DB1EE7B581}"/>
+              </a:ext>
+            </a:extLst>
+          </p:cNvPr>
+          <p:cNvSpPr>
+            <a:spLocks noGrp="1"/>
+          </p:cNvSpPr>
+          <p:nvPr>
+            <p:ph type="title"/>
+          </p:nvPr>
+        </p:nvSpPr>
+        <p:spPr/>
+        <p:txBody>
+          <a:bodyPr/>
+          <a:lstStyle/>
+          <a:p>
+            <a:r>
+              <a:rPr lang="ru-RU" b="1" dirty="0"/>
+              <a:t>Экранные</a:t>
+            </a:r>
+            <a:r>
+              <a:rPr lang="ru-RU" dirty="0"/>
+              <a:t> </a:t>
+            </a:r>
+            <a:r>
+              <a:rPr lang="ru-RU" b="1" dirty="0"/>
+              <a:t>формы</a:t>
+            </a:r>
+            <a:r>
+              <a:rPr lang="ru-RU" dirty="0"/>
+              <a:t> </a:t>
+            </a:r>
+            <a:r>
+              <a:rPr lang="ru-RU" b="1" dirty="0"/>
+              <a:t>проекта</a:t>
+            </a:r>
+            <a:r>
+              <a:rPr lang="en-US" dirty="0"/>
+              <a:t>:</a:t>
+            </a:r>
+            <a:endParaRPr lang="ru-RU" dirty="0"/>
+          </a:p>
+        </p:txBody>
+      </p:sp>
+      <p:sp>
+        <p:nvSpPr>
+          <p:cNvPr id="5" name="Текст 4">
+            <a:extLst>
+              <a:ext uri="{FF2B5EF4-FFF2-40B4-BE49-F238E27FC236}">
+                <a16:creationId xmlns:a16="http://schemas.microsoft.com/office/drawing/2014/main" id="{BCE825FC-8B5E-4B13-A434-277EED3C127F}"/>
+              </a:ext>
+            </a:extLst>
+          </p:cNvPr>
+          <p:cNvSpPr>
+            <a:spLocks noGrp="1"/>
+          </p:cNvSpPr>
+          <p:nvPr>
+            <p:ph type="body" idx="1"/>
+          </p:nvPr>
+        </p:nvSpPr>
+        <p:spPr/>
+        <p:txBody>
+          <a:bodyPr/>
+          <a:lstStyle/>
+          <a:p>
+            <a:r>
+              <a:rPr lang="ru-RU" dirty="0"/>
+              <a:t>Оружие</a:t>
+            </a:r>
+          </a:p>
+        </p:txBody>
+      </p:sp>
+      <p:pic>
+        <p:nvPicPr>
+          <p:cNvPr id="10" name="Объект 9">
+            <a:extLst>
+              <a:ext uri="{FF2B5EF4-FFF2-40B4-BE49-F238E27FC236}">
+                <a16:creationId xmlns:a16="http://schemas.microsoft.com/office/drawing/2014/main" id="{D75FD5F9-97A2-4B31-B20D-FB2854190D09}"/>
+              </a:ext>
+            </a:extLst>
+          </p:cNvPr>
+          <p:cNvPicPr>
+            <a:picLocks noGrp="1" noChangeAspect="1"/>
+          </p:cNvPicPr>
+          <p:nvPr>
+            <p:ph sz="half" idx="2"/>
+          </p:nvPr>
+        </p:nvPicPr>
+        <p:blipFill>
+          <a:blip r:embed="rId2">
+            <a:extLst>
+              <a:ext uri="{28A0092B-C50C-407E-A947-70E740481C1C}">
+                <a14:useLocalDpi xmlns:a14="http://schemas.microsoft.com/office/drawing/2010/main" val="0"/>
+              </a:ext>
+            </a:extLst>
+          </a:blip>
+          <a:stretch>
+            <a:fillRect/>
+          </a:stretch>
+        </p:blipFill>
+        <p:spPr>
+          <a:xfrm>
+            <a:off x="1371600" y="3305175"/>
+            <a:ext cx="3481284" cy="2562225"/>
+          </a:xfrm>
+        </p:spPr>
+      </p:pic>
+      <p:sp>
+        <p:nvSpPr>
+          <p:cNvPr id="7" name="Текст 6">
+            <a:extLst>
+              <a:ext uri="{FF2B5EF4-FFF2-40B4-BE49-F238E27FC236}">
+                <a16:creationId xmlns:a16="http://schemas.microsoft.com/office/drawing/2014/main" id="{187EAD80-699C-44B4-8E24-8F52AE738F43}"/>
+              </a:ext>
+            </a:extLst>
+          </p:cNvPr>
+          <p:cNvSpPr>
+            <a:spLocks noGrp="1"/>
+          </p:cNvSpPr>
+          <p:nvPr>
+            <p:ph type="body" sz="quarter" idx="3"/>
+          </p:nvPr>
+        </p:nvSpPr>
+        <p:spPr/>
+        <p:txBody>
+          <a:bodyPr/>
+          <a:lstStyle/>
+          <a:p>
+            <a:r>
+              <a:rPr lang="ru-RU" dirty="0"/>
+              <a:t>НПС</a:t>
+            </a:r>
+          </a:p>
+        </p:txBody>
+      </p:sp>
+      <p:pic>
+        <p:nvPicPr>
+          <p:cNvPr id="12" name="Объект 11">
+            <a:extLst>
+              <a:ext uri="{FF2B5EF4-FFF2-40B4-BE49-F238E27FC236}">
+                <a16:creationId xmlns:a16="http://schemas.microsoft.com/office/drawing/2014/main" id="{C2A8A466-D91B-48A6-ABA7-5926CBBCB2D7}"/>
+              </a:ext>
+            </a:extLst>
+          </p:cNvPr>
+          <p:cNvPicPr>
+            <a:picLocks noGrp="1" noChangeAspect="1"/>
+          </p:cNvPicPr>
+          <p:nvPr>
+            <p:ph sz="quarter" idx="4"/>
+          </p:nvPr>
+        </p:nvPicPr>
+        <p:blipFill>
+          <a:blip r:embed="rId3">
+            <a:extLst>
+              <a:ext uri="{28A0092B-C50C-407E-A947-70E740481C1C}">
+                <a14:useLocalDpi xmlns:a14="http://schemas.microsoft.com/office/drawing/2010/main" val="0"/>
+              </a:ext>
+            </a:extLst>
+          </a:blip>
+          <a:stretch>
+            <a:fillRect/>
+          </a:stretch>
+        </p:blipFill>
+        <p:spPr>
+          <a:xfrm>
+            <a:off x="6525014" y="3164776"/>
+            <a:ext cx="1436225" cy="2562225"/>
+          </a:xfrm>
+        </p:spPr>
+      </p:pic>
+      <p:pic>
+        <p:nvPicPr>
+          <p:cNvPr id="14" name="Рисунок 13">
+            <a:extLst>
+              <a:ext uri="{FF2B5EF4-FFF2-40B4-BE49-F238E27FC236}">
+                <a16:creationId xmlns:a16="http://schemas.microsoft.com/office/drawing/2014/main" id="{A2D0257B-B718-4618-BBC6-1BF84E7D339D}"/>
+              </a:ext>
+            </a:extLst>
+          </p:cNvPr>
+          <p:cNvPicPr>
+            <a:picLocks noChangeAspect="1"/>
+          </p:cNvPicPr>
+          <p:nvPr/>
+        </p:nvPicPr>
+        <p:blipFill>
+          <a:blip r:embed="rId4">
+            <a:extLst>
+              <a:ext uri="{28A0092B-C50C-407E-A947-70E740481C1C}">
+                <a14:useLocalDpi xmlns:a14="http://schemas.microsoft.com/office/drawing/2010/main" val="0"/>
+              </a:ext>
+            </a:extLst>
+          </a:blip>
+          <a:stretch>
+            <a:fillRect/>
+          </a:stretch>
+        </p:blipFill>
+        <p:spPr>
+          <a:xfrm>
+            <a:off x="8061291" y="3164776"/>
+            <a:ext cx="1677093" cy="2562224"/>
+          </a:xfrm>
+          <a:prstGeom prst="rect">
+            <a:avLst/>
+          </a:prstGeom>
+        </p:spPr>
+      </p:pic>
+    </p:spTree>
+    <p:extLst>
+      <p:ext uri="{BB962C8B-B14F-4D97-AF65-F5344CB8AC3E}">
+        <p14:creationId xmlns:p14="http://schemas.microsoft.com/office/powerpoint/2010/main" val="2429295922"/>
+      </p:ext>
+    </p:extLst>
+  </p:cSld>
+  <p:clrMapOvr>
+    <a:masterClrMapping/>
+  </p:clrMapOvr>
+</p:sld>
+</file>
+
+<file path=ppt/slides/slide6.xml><?xml version="1.0" encoding="utf-8"?>
+<p:sld xmlns:a="http://schemas.openxmlformats.org/drawingml/2006/main" xmlns:r="http://schemas.openxmlformats.org/officeDocument/2006/relationships" xmlns:p="http://schemas.openxmlformats.org/presentationml/2006/main">
+  <p:cSld>
+    <p:spTree>
+      <p:nvGrpSpPr>
+        <p:cNvPr id="1" name=""/>
+        <p:cNvGrpSpPr/>
+        <p:nvPr/>
+      </p:nvGrpSpPr>
+      <p:grpSpPr>
+        <a:xfrm>
+          <a:off x="0" y="0"/>
+          <a:ext cx="0" cy="0"/>
+          <a:chOff x="0" y="0"/>
+          <a:chExt cx="0" cy="0"/>
+        </a:xfrm>
+      </p:grpSpPr>
+      <p:sp>
+        <p:nvSpPr>
+          <p:cNvPr id="2" name="Заголовок 1">
+            <a:extLst>
+              <a:ext uri="{FF2B5EF4-FFF2-40B4-BE49-F238E27FC236}">
+                <a16:creationId xmlns:a16="http://schemas.microsoft.com/office/drawing/2014/main" id="{55F343AE-31EF-4729-9551-674EBF4191F5}"/>
+              </a:ext>
+            </a:extLst>
+          </p:cNvPr>
+          <p:cNvSpPr>
+            <a:spLocks noGrp="1"/>
+          </p:cNvSpPr>
+          <p:nvPr>
+            <p:ph type="title"/>
+          </p:nvPr>
+        </p:nvSpPr>
+        <p:spPr/>
+        <p:txBody>
+          <a:bodyPr/>
+          <a:lstStyle/>
+          <a:p>
+            <a:r>
+              <a:rPr lang="ru-RU" dirty="0"/>
+              <a:t>Значимость проекта</a:t>
+            </a:r>
+            <a:r>
+              <a:rPr lang="en-US" dirty="0"/>
+              <a:t>:</a:t>
+            </a:r>
+            <a:endParaRPr lang="ru-RU" dirty="0"/>
+          </a:p>
+        </p:txBody>
+      </p:sp>
+      <p:sp>
+        <p:nvSpPr>
+          <p:cNvPr id="3" name="Объект 2">
+            <a:extLst>
+              <a:ext uri="{FF2B5EF4-FFF2-40B4-BE49-F238E27FC236}">
+                <a16:creationId xmlns:a16="http://schemas.microsoft.com/office/drawing/2014/main" id="{781E7DBE-E2B6-418D-9629-06AF3642336C}"/>
+              </a:ext>
+            </a:extLst>
+          </p:cNvPr>
+          <p:cNvSpPr>
+            <a:spLocks noGrp="1"/>
+          </p:cNvSpPr>
+          <p:nvPr>
+            <p:ph idx="1"/>
+          </p:nvPr>
+        </p:nvSpPr>
+        <p:spPr>
+          <a:xfrm>
+            <a:off x="1371600" y="1638300"/>
+            <a:ext cx="9601200" cy="3581400"/>
+          </a:xfrm>
+        </p:spPr>
+        <p:txBody>
+          <a:bodyPr/>
+          <a:lstStyle/>
+          <a:p>
+            <a:r>
+              <a:rPr lang="ru-RU" dirty="0"/>
+              <a:t>Данный игра</a:t>
+            </a:r>
+            <a:r>
+              <a:rPr lang="en-US" dirty="0"/>
+              <a:t>, </a:t>
+            </a:r>
+            <a:r>
+              <a:rPr lang="ru-RU" dirty="0"/>
+              <a:t>в истинном своём предназначении, изначально не была создана для развлечения пользователя. Проект рассматривает игровые механики, использованные в самом начале зарождения игр с эффектом объемности игрового мира. Также при его создании была использована одна единственная библиотека для работы со спрайтами(готовой отрисовки 3д в ней попросту нет)</a:t>
+            </a:r>
+            <a:r>
+              <a:rPr lang="en-US" dirty="0"/>
+              <a:t>,</a:t>
+            </a:r>
+            <a:r>
+              <a:rPr lang="ru-RU" dirty="0"/>
+              <a:t> придания большей значимости проделанного труда ради.</a:t>
+            </a:r>
+            <a:r>
+              <a:rPr lang="en-US" dirty="0"/>
+              <a:t> </a:t>
+            </a:r>
+            <a:endParaRPr lang="ru-RU" dirty="0"/>
+          </a:p>
+          <a:p>
+            <a:endParaRPr lang="ru-RU" dirty="0"/>
+          </a:p>
+        </p:txBody>
+      </p:sp>
+    </p:spTree>
+    <p:extLst>
+      <p:ext uri="{BB962C8B-B14F-4D97-AF65-F5344CB8AC3E}">
+        <p14:creationId xmlns:p14="http://schemas.microsoft.com/office/powerpoint/2010/main" val="783896216"/>
+      </p:ext>
+    </p:extLst>
+  </p:cSld>
+  <p:clrMapOvr>
+    <a:masterClrMapping/>
+  </p:clrMapOvr>
+</p:sld>
+</file>
+
+<file path=ppt/slides/slide7.xml><?xml version="1.0" encoding="utf-8"?>
+<p:sld xmlns:a="http://schemas.openxmlformats.org/drawingml/2006/main" xmlns:r="http://schemas.openxmlformats.org/officeDocument/2006/relationships" xmlns:p="http://schemas.openxmlformats.org/presentationml/2006/main">
+  <p:cSld>
+    <p:spTree>
+      <p:nvGrpSpPr>
+        <p:cNvPr id="1" name=""/>
+        <p:cNvGrpSpPr/>
+        <p:nvPr/>
+      </p:nvGrpSpPr>
+      <p:grpSpPr>
+        <a:xfrm>
+          <a:off x="0" y="0"/>
+          <a:ext cx="0" cy="0"/>
+          <a:chOff x="0" y="0"/>
+          <a:chExt cx="0" cy="0"/>
+        </a:xfrm>
+      </p:grpSpPr>
+      <p:sp>
+        <p:nvSpPr>
+          <p:cNvPr id="2" name="Заголовок 1">
+            <a:extLst>
+              <a:ext uri="{FF2B5EF4-FFF2-40B4-BE49-F238E27FC236}">
+                <a16:creationId xmlns:a16="http://schemas.microsoft.com/office/drawing/2014/main" id="{4C2D0E5D-6CDD-47CC-8052-9066482CD27C}"/>
+              </a:ext>
+            </a:extLst>
+          </p:cNvPr>
+          <p:cNvSpPr>
+            <a:spLocks noGrp="1"/>
+          </p:cNvSpPr>
+          <p:nvPr>
+            <p:ph type="title"/>
+          </p:nvPr>
+        </p:nvSpPr>
+        <p:spPr>
+          <a:xfrm>
+            <a:off x="-4572" y="573031"/>
+            <a:ext cx="5312664" cy="2855968"/>
+          </a:xfrm>
+        </p:spPr>
+        <p:txBody>
+          <a:bodyPr/>
+          <a:lstStyle/>
+          <a:p>
+            <a:r>
+              <a:rPr lang="ru-RU" dirty="0"/>
+              <a:t>Игровой процесс</a:t>
+            </a:r>
+            <a:r>
+              <a:rPr lang="en-US" dirty="0"/>
+              <a:t>:</a:t>
+            </a:r>
+            <a:endParaRPr lang="ru-RU" dirty="0"/>
+          </a:p>
+        </p:txBody>
+      </p:sp>
+      <p:sp>
+        <p:nvSpPr>
+          <p:cNvPr id="4" name="Текст 3">
+            <a:extLst>
+              <a:ext uri="{FF2B5EF4-FFF2-40B4-BE49-F238E27FC236}">
+                <a16:creationId xmlns:a16="http://schemas.microsoft.com/office/drawing/2014/main" id="{4CFC9BA4-AE27-48FF-ACCA-93AAF1724215}"/>
+              </a:ext>
+            </a:extLst>
+          </p:cNvPr>
+          <p:cNvSpPr>
+            <a:spLocks noGrp="1"/>
+          </p:cNvSpPr>
+          <p:nvPr>
+            <p:ph type="body" sz="half" idx="2"/>
+          </p:nvPr>
+        </p:nvSpPr>
+        <p:spPr/>
+        <p:txBody>
+          <a:bodyPr/>
+          <a:lstStyle/>
+          <a:p>
+            <a:endParaRPr lang="ru-RU"/>
+          </a:p>
+        </p:txBody>
+      </p:sp>
+      <p:sp>
+        <p:nvSpPr>
+          <p:cNvPr id="8" name="Рисунок 7">
+            <a:extLst>
+              <a:ext uri="{FF2B5EF4-FFF2-40B4-BE49-F238E27FC236}">
+                <a16:creationId xmlns:a16="http://schemas.microsoft.com/office/drawing/2014/main" id="{D4C54542-C3F9-4B96-91C1-8113C21D00B5}"/>
+              </a:ext>
+            </a:extLst>
+          </p:cNvPr>
+          <p:cNvSpPr>
+            <a:spLocks noGrp="1"/>
+          </p:cNvSpPr>
+          <p:nvPr>
+            <p:ph type="pic" idx="1"/>
+          </p:nvPr>
+        </p:nvSpPr>
+        <p:spPr/>
+      </p:sp>
+    </p:spTree>
+    <p:extLst>
+      <p:ext uri="{BB962C8B-B14F-4D97-AF65-F5344CB8AC3E}">
+        <p14:creationId xmlns:p14="http://schemas.microsoft.com/office/powerpoint/2010/main" val="2865302333"/>
+      </p:ext>
+    </p:extLst>
+  </p:cSld>
+  <p:clrMapOvr>
+    <a:masterClrMapping/>
+  </p:clrMapOvr>
+</p:sld>
+</file>
+
+<file path=ppt/slides/slide8.xml><?xml version="1.0" encoding="utf-8"?>
+<p:sld xmlns:a="http://schemas.openxmlformats.org/drawingml/2006/main" xmlns:r="http://schemas.openxmlformats.org/officeDocument/2006/relationships" xmlns:p="http://schemas.openxmlformats.org/presentationml/2006/main">
+  <p:cSld>
+    <p:spTree>
+      <p:nvGrpSpPr>
+        <p:cNvPr id="1" name=""/>
+        <p:cNvGrpSpPr/>
+        <p:nvPr/>
+      </p:nvGrpSpPr>
+      <p:grpSpPr>
+        <a:xfrm>
+          <a:off x="0" y="0"/>
+          <a:ext cx="0" cy="0"/>
+          <a:chOff x="0" y="0"/>
+          <a:chExt cx="0" cy="0"/>
+        </a:xfrm>
+      </p:grpSpPr>
+      <p:sp>
+        <p:nvSpPr>
+          <p:cNvPr id="2" name="Заголовок 1">
+            <a:extLst>
+              <a:ext uri="{FF2B5EF4-FFF2-40B4-BE49-F238E27FC236}">
                 <a16:creationId xmlns:a16="http://schemas.microsoft.com/office/drawing/2014/main" id="{03330B49-4646-4449-B816-D072ED925D20}"/>
               </a:ext>
             </a:extLst>
@@ -4006,14 +5393,18 @@
           <a:lstStyle/>
           <a:p>
             <a:r>
-              <a:rPr lang="ru-RU" sz="2800" dirty="0"/>
-              <a:t>Обложка игры</a:t>
-            </a:r>
-            <a:r>
-              <a:rPr lang="en-US" sz="2800" dirty="0"/>
+              <a:rPr lang="ru-RU" sz="4400" b="1" dirty="0"/>
+              <a:t>Обложка </a:t>
+            </a:r>
+            <a:r>
+              <a:rPr lang="ru-RU" sz="2800" b="1" dirty="0"/>
+              <a:t>игры</a:t>
+            </a:r>
+            <a:r>
+              <a:rPr lang="en-US" sz="4400" b="1" dirty="0"/>
               <a:t>:</a:t>
             </a:r>
-            <a:endParaRPr lang="ru-RU" sz="2800" dirty="0"/>
+            <a:endParaRPr lang="ru-RU" sz="4400" b="1" dirty="0"/>
           </a:p>
         </p:txBody>
       </p:sp>
@@ -4048,7 +5439,7 @@
             <a:pPr algn="l"/>
             <a:r>
               <a:rPr lang="ru-RU" dirty="0"/>
-              <a:t>Поскольку сам проект является лишь тренировкой перед созданием более полноценной игры, то интерактив здесь скудный.</a:t>
+              <a:t>Поскольку сам проект является лишь практикой перед созданием более полноценной игры, то интерактив здесь скудный.</a:t>
             </a:r>
           </a:p>
           <a:p>
@@ -4133,7 +5524,7 @@
 </p:sld>
 </file>
 
-<file path=ppt/slides/slide3.xml><?xml version="1.0" encoding="utf-8"?>
+<file path=ppt/slides/slide9.xml><?xml version="1.0" encoding="utf-8"?>
 <p:sld xmlns:a="http://schemas.openxmlformats.org/drawingml/2006/main" xmlns:r="http://schemas.openxmlformats.org/officeDocument/2006/relationships" xmlns:p="http://schemas.openxmlformats.org/presentationml/2006/main">
   <p:cSld>
     <p:spTree>
@@ -4316,7 +5707,7 @@
           <a:p>
             <a:r>
               <a:rPr lang="ru-RU" dirty="0"/>
-              <a:t>как разработчику, наблюдать за </a:t>
+              <a:t>как тестировщику, наблюдать за </a:t>
             </a:r>
           </a:p>
           <a:p>
@@ -4351,373 +5742,6 @@
     <p:extLst>
       <p:ext uri="{BB962C8B-B14F-4D97-AF65-F5344CB8AC3E}">
         <p14:creationId xmlns:p14="http://schemas.microsoft.com/office/powerpoint/2010/main" val="1217546202"/>
-      </p:ext>
-    </p:extLst>
-  </p:cSld>
-  <p:clrMapOvr>
-    <a:masterClrMapping/>
-  </p:clrMapOvr>
-</p:sld>
-</file>
-
-<file path=ppt/slides/slide4.xml><?xml version="1.0" encoding="utf-8"?>
-<p:sld xmlns:a="http://schemas.openxmlformats.org/drawingml/2006/main" xmlns:r="http://schemas.openxmlformats.org/officeDocument/2006/relationships" xmlns:p="http://schemas.openxmlformats.org/presentationml/2006/main">
-  <p:cSld>
-    <p:spTree>
-      <p:nvGrpSpPr>
-        <p:cNvPr id="1" name=""/>
-        <p:cNvGrpSpPr/>
-        <p:nvPr/>
-      </p:nvGrpSpPr>
-      <p:grpSpPr>
-        <a:xfrm>
-          <a:off x="0" y="0"/>
-          <a:ext cx="0" cy="0"/>
-          <a:chOff x="0" y="0"/>
-          <a:chExt cx="0" cy="0"/>
-        </a:xfrm>
-      </p:grpSpPr>
-      <p:sp>
-        <p:nvSpPr>
-          <p:cNvPr id="2" name="Заголовок 1">
-            <a:extLst>
-              <a:ext uri="{FF2B5EF4-FFF2-40B4-BE49-F238E27FC236}">
-                <a16:creationId xmlns:a16="http://schemas.microsoft.com/office/drawing/2014/main" id="{6E9B5F17-388C-4A07-B997-BAEEDD50F0B0}"/>
-              </a:ext>
-            </a:extLst>
-          </p:cNvPr>
-          <p:cNvSpPr>
-            <a:spLocks noGrp="1"/>
-          </p:cNvSpPr>
-          <p:nvPr>
-            <p:ph type="title"/>
-          </p:nvPr>
-        </p:nvSpPr>
-        <p:spPr/>
-        <p:txBody>
-          <a:bodyPr/>
-          <a:lstStyle/>
-          <a:p>
-            <a:r>
-              <a:rPr lang="ru-RU" dirty="0"/>
-              <a:t>Способ отрисовки мира и объектов</a:t>
-            </a:r>
-            <a:r>
-              <a:rPr lang="en-US" dirty="0"/>
-              <a:t>:</a:t>
-            </a:r>
-            <a:endParaRPr lang="ru-RU" dirty="0"/>
-          </a:p>
-        </p:txBody>
-      </p:sp>
-      <p:sp>
-        <p:nvSpPr>
-          <p:cNvPr id="3" name="Объект 2">
-            <a:extLst>
-              <a:ext uri="{FF2B5EF4-FFF2-40B4-BE49-F238E27FC236}">
-                <a16:creationId xmlns:a16="http://schemas.microsoft.com/office/drawing/2014/main" id="{D9BEC800-8CC4-4ADC-B650-C07EE9FB7715}"/>
-              </a:ext>
-            </a:extLst>
-          </p:cNvPr>
-          <p:cNvSpPr>
-            <a:spLocks noGrp="1"/>
-          </p:cNvSpPr>
-          <p:nvPr>
-            <p:ph idx="1"/>
-          </p:nvPr>
-        </p:nvSpPr>
-        <p:spPr/>
-        <p:txBody>
-          <a:bodyPr/>
-          <a:lstStyle/>
-          <a:p>
-            <a:r>
-              <a:rPr lang="ru-RU" dirty="0"/>
-              <a:t>Если </a:t>
-            </a:r>
-            <a:r>
-              <a:rPr lang="en-US" dirty="0"/>
-              <a:t>ray casting </a:t>
-            </a:r>
-            <a:r>
-              <a:rPr lang="ru-RU" dirty="0"/>
-              <a:t>вещь довольно известная, то спрайты находятся по менее распространенному методу</a:t>
-            </a:r>
-          </a:p>
-          <a:p>
-            <a:endParaRPr lang="ru-RU" dirty="0"/>
-          </a:p>
-        </p:txBody>
-      </p:sp>
-      <p:pic>
-        <p:nvPicPr>
-          <p:cNvPr id="5" name="Рисунок 4">
-            <a:extLst>
-              <a:ext uri="{FF2B5EF4-FFF2-40B4-BE49-F238E27FC236}">
-                <a16:creationId xmlns:a16="http://schemas.microsoft.com/office/drawing/2014/main" id="{A568788B-84F1-4B44-8DE1-6A962A174381}"/>
-              </a:ext>
-            </a:extLst>
-          </p:cNvPr>
-          <p:cNvPicPr>
-            <a:picLocks noChangeAspect="1"/>
-          </p:cNvPicPr>
-          <p:nvPr/>
-        </p:nvPicPr>
-        <p:blipFill>
-          <a:blip r:embed="rId2"/>
-          <a:stretch>
-            <a:fillRect/>
-          </a:stretch>
-        </p:blipFill>
-        <p:spPr>
-          <a:xfrm>
-            <a:off x="1371600" y="3008376"/>
-            <a:ext cx="5493256" cy="3083052"/>
-          </a:xfrm>
-          <a:prstGeom prst="rect">
-            <a:avLst/>
-          </a:prstGeom>
-        </p:spPr>
-      </p:pic>
-      <p:sp>
-        <p:nvSpPr>
-          <p:cNvPr id="6" name="TextBox 5">
-            <a:extLst>
-              <a:ext uri="{FF2B5EF4-FFF2-40B4-BE49-F238E27FC236}">
-                <a16:creationId xmlns:a16="http://schemas.microsoft.com/office/drawing/2014/main" id="{EB04AD7B-F7F8-482F-84BE-6365449D197F}"/>
-              </a:ext>
-            </a:extLst>
-          </p:cNvPr>
-          <p:cNvSpPr txBox="1"/>
-          <p:nvPr/>
-        </p:nvSpPr>
-        <p:spPr>
-          <a:xfrm>
-            <a:off x="6928571" y="3008376"/>
-            <a:ext cx="5376793" cy="2585323"/>
-          </a:xfrm>
-          <a:prstGeom prst="rect">
-            <a:avLst/>
-          </a:prstGeom>
-          <a:noFill/>
-        </p:spPr>
-        <p:txBody>
-          <a:bodyPr wrap="none" rtlCol="0">
-            <a:spAutoFit/>
-          </a:bodyPr>
-          <a:lstStyle/>
-          <a:p>
-            <a:r>
-              <a:rPr lang="ru-RU" dirty="0"/>
-              <a:t>Здесь мы ищем угол луча, искомый от</a:t>
-            </a:r>
-          </a:p>
-          <a:p>
-            <a:r>
-              <a:rPr lang="ru-RU" dirty="0"/>
-              <a:t>основного, на котором мы и должны </a:t>
-            </a:r>
-          </a:p>
-          <a:p>
-            <a:r>
-              <a:rPr lang="ru-RU" dirty="0"/>
-              <a:t>отобразить спрайт. После мы проверяем виден ли</a:t>
-            </a:r>
-          </a:p>
-          <a:p>
-            <a:r>
-              <a:rPr lang="ru-RU" dirty="0"/>
-              <a:t>он и находится ли ближе других объектов.</a:t>
-            </a:r>
-          </a:p>
-          <a:p>
-            <a:r>
-              <a:rPr lang="ru-RU" dirty="0"/>
-              <a:t>Таким образом программа расставляет приоритет</a:t>
-            </a:r>
-          </a:p>
-          <a:p>
-            <a:r>
-              <a:rPr lang="ru-RU" dirty="0"/>
-              <a:t>отрисовки объектов, почему спрайты не закрывают</a:t>
-            </a:r>
-            <a:br>
-              <a:rPr lang="ru-RU" dirty="0"/>
-            </a:br>
-            <a:r>
-              <a:rPr lang="ru-RU" dirty="0"/>
-              <a:t>все объекты, по факту находясь на самом дальнем</a:t>
-            </a:r>
-          </a:p>
-          <a:p>
-            <a:r>
-              <a:rPr lang="ru-RU" dirty="0"/>
-              <a:t>расстоянии от игрока.</a:t>
-            </a:r>
-          </a:p>
-          <a:p>
-            <a:endParaRPr lang="ru-RU" dirty="0"/>
-          </a:p>
-        </p:txBody>
-      </p:sp>
-    </p:spTree>
-    <p:extLst>
-      <p:ext uri="{BB962C8B-B14F-4D97-AF65-F5344CB8AC3E}">
-        <p14:creationId xmlns:p14="http://schemas.microsoft.com/office/powerpoint/2010/main" val="2326519915"/>
-      </p:ext>
-    </p:extLst>
-  </p:cSld>
-  <p:clrMapOvr>
-    <a:masterClrMapping/>
-  </p:clrMapOvr>
-</p:sld>
-</file>
-
-<file path=ppt/slides/slide5.xml><?xml version="1.0" encoding="utf-8"?>
-<p:sld xmlns:a="http://schemas.openxmlformats.org/drawingml/2006/main" xmlns:r="http://schemas.openxmlformats.org/officeDocument/2006/relationships" xmlns:p="http://schemas.openxmlformats.org/presentationml/2006/main">
-  <p:cSld>
-    <p:spTree>
-      <p:nvGrpSpPr>
-        <p:cNvPr id="1" name=""/>
-        <p:cNvGrpSpPr/>
-        <p:nvPr/>
-      </p:nvGrpSpPr>
-      <p:grpSpPr>
-        <a:xfrm>
-          <a:off x="0" y="0"/>
-          <a:ext cx="0" cy="0"/>
-          <a:chOff x="0" y="0"/>
-          <a:chExt cx="0" cy="0"/>
-        </a:xfrm>
-      </p:grpSpPr>
-      <p:sp>
-        <p:nvSpPr>
-          <p:cNvPr id="2" name="Заголовок 1">
-            <a:extLst>
-              <a:ext uri="{FF2B5EF4-FFF2-40B4-BE49-F238E27FC236}">
-                <a16:creationId xmlns:a16="http://schemas.microsoft.com/office/drawing/2014/main" id="{74F26843-0D31-4F35-8E31-520CDA205D2A}"/>
-              </a:ext>
-            </a:extLst>
-          </p:cNvPr>
-          <p:cNvSpPr>
-            <a:spLocks noGrp="1"/>
-          </p:cNvSpPr>
-          <p:nvPr>
-            <p:ph type="title"/>
-          </p:nvPr>
-        </p:nvSpPr>
-        <p:spPr/>
-        <p:txBody>
-          <a:bodyPr/>
-          <a:lstStyle/>
-          <a:p>
-            <a:r>
-              <a:rPr lang="ru-RU" dirty="0"/>
-              <a:t>Все волнующие вас вопросы к автору проекта.</a:t>
-            </a:r>
-          </a:p>
-        </p:txBody>
-      </p:sp>
-      <p:sp>
-        <p:nvSpPr>
-          <p:cNvPr id="3" name="Объект 2">
-            <a:extLst>
-              <a:ext uri="{FF2B5EF4-FFF2-40B4-BE49-F238E27FC236}">
-                <a16:creationId xmlns:a16="http://schemas.microsoft.com/office/drawing/2014/main" id="{95E48AA7-4D36-4D41-9D99-7508192F01F4}"/>
-              </a:ext>
-            </a:extLst>
-          </p:cNvPr>
-          <p:cNvSpPr>
-            <a:spLocks noGrp="1"/>
-          </p:cNvSpPr>
-          <p:nvPr>
-            <p:ph idx="1"/>
-          </p:nvPr>
-        </p:nvSpPr>
-        <p:spPr>
-          <a:xfrm>
-            <a:off x="1371600" y="2286000"/>
-            <a:ext cx="9601200" cy="3581400"/>
-          </a:xfrm>
-        </p:spPr>
-        <p:txBody>
-          <a:bodyPr>
-            <a:normAutofit fontScale="92500" lnSpcReduction="20000"/>
-          </a:bodyPr>
-          <a:lstStyle/>
-          <a:p>
-            <a:pPr marL="0" indent="0">
-              <a:buNone/>
-            </a:pPr>
-            <a:r>
-              <a:rPr lang="ru-RU" dirty="0"/>
-              <a:t>Рекомендуется посмотреть на сам код и опробовать игру.</a:t>
-            </a:r>
-          </a:p>
-          <a:p>
-            <a:pPr marL="0" indent="0">
-              <a:buNone/>
-            </a:pPr>
-            <a:endParaRPr lang="ru-RU" dirty="0"/>
-          </a:p>
-          <a:p>
-            <a:pPr marL="0" indent="0">
-              <a:buNone/>
-            </a:pPr>
-            <a:endParaRPr lang="ru-RU" dirty="0"/>
-          </a:p>
-          <a:p>
-            <a:pPr marL="0" indent="0">
-              <a:buNone/>
-            </a:pPr>
-            <a:endParaRPr lang="ru-RU" dirty="0"/>
-          </a:p>
-          <a:p>
-            <a:pPr marL="0" indent="0">
-              <a:buNone/>
-            </a:pPr>
-            <a:endParaRPr lang="ru-RU" dirty="0"/>
-          </a:p>
-          <a:p>
-            <a:pPr marL="0" indent="0">
-              <a:buNone/>
-            </a:pPr>
-            <a:endParaRPr lang="ru-RU" dirty="0"/>
-          </a:p>
-          <a:p>
-            <a:pPr marL="0" indent="0">
-              <a:buNone/>
-            </a:pPr>
-            <a:r>
-              <a:rPr lang="ru-RU" dirty="0"/>
-              <a:t>Примечание</a:t>
-            </a:r>
-            <a:r>
-              <a:rPr lang="en-US" dirty="0"/>
-              <a:t>:</a:t>
-            </a:r>
-          </a:p>
-          <a:p>
-            <a:pPr marL="0" indent="0">
-              <a:buNone/>
-            </a:pPr>
-            <a:r>
-              <a:rPr lang="ru-RU" dirty="0"/>
-              <a:t>Проект не является законченным, поскольку автор испытывал сильный недостаток времени в связи со сложившимися обстоятельствами. На основе этого проекта ожидается полноценная игра по иной тематике</a:t>
-            </a:r>
-          </a:p>
-          <a:p>
-            <a:pPr marL="0" indent="0">
-              <a:buNone/>
-            </a:pPr>
-            <a:endParaRPr lang="ru-RU" dirty="0"/>
-          </a:p>
-        </p:txBody>
-      </p:sp>
-    </p:spTree>
-    <p:extLst>
-      <p:ext uri="{BB962C8B-B14F-4D97-AF65-F5344CB8AC3E}">
-        <p14:creationId xmlns:p14="http://schemas.microsoft.com/office/powerpoint/2010/main" val="4137745136"/>
       </p:ext>
     </p:extLst>
   </p:cSld>
